--- a/vital_site/blog-resources/pictures.pptx
+++ b/vital_site/blog-resources/pictures.pptx
@@ -2411,9 +2411,12 @@
 <p:sldMaster xmlns:a="http://schemas.openxmlformats.org/drawingml/2006/main" xmlns:r="http://schemas.openxmlformats.org/officeDocument/2006/relationships" xmlns:p="http://schemas.openxmlformats.org/presentationml/2006/main">
   <p:cSld>
     <p:bg>
-      <p:bgRef idx="1001">
-        <a:schemeClr val="bg1"/>
-      </p:bgRef>
+      <p:bgPr>
+        <a:solidFill>
+          <a:schemeClr val="bg1"/>
+        </a:solidFill>
+        <a:effectLst/>
+      </p:bgPr>
     </p:bg>
     <p:spTree>
       <p:nvGrpSpPr>
@@ -4660,8 +4663,8 @@
         </p:nvSpPr>
         <p:spPr>
           <a:xfrm>
-            <a:off x="331112" y="873193"/>
-            <a:ext cx="1135247" cy="261610"/>
+            <a:off x="160640" y="899925"/>
+            <a:ext cx="1305720" cy="261610"/>
           </a:xfrm>
           <a:prstGeom prst="rect">
             <a:avLst/>
@@ -4678,7 +4681,7 @@
           </a:ln>
         </p:spPr>
         <p:txBody>
-          <a:bodyPr wrap="none" rtlCol="0">
+          <a:bodyPr wrap="square" rtlCol="0">
             <a:spAutoFit/>
           </a:bodyPr>
           <a:lstStyle/>

--- a/vital_site/blog-resources/pictures.pptx
+++ b/vital_site/blog-resources/pictures.pptx
@@ -6,6 +6,7 @@
   </p:sldMasterIdLst>
   <p:sldIdLst>
     <p:sldId id="256" r:id="rId2"/>
+    <p:sldId id="257" r:id="rId3"/>
   </p:sldIdLst>
   <p:sldSz cx="12192000" cy="6858000"/>
   <p:notesSz cx="6858000" cy="9144000"/>
@@ -104,6 +105,11 @@
       </a:defRPr>
     </a:lvl9pPr>
   </p:defaultTextStyle>
+  <p:extLst>
+    <p:ext uri="{EFAFB233-063F-42B5-8137-9DF3F51BA10A}">
+      <p15:sldGuideLst xmlns:p15="http://schemas.microsoft.com/office/powerpoint/2012/main"/>
+    </p:ext>
+  </p:extLst>
 </p:presentation>
 </file>
 
@@ -238,7 +244,7 @@
           <a:p>
             <a:fld id="{6FD5188A-D471-7A47-91CF-432316DF9574}" type="datetimeFigureOut">
               <a:rPr lang="en-US" smtClean="0"/>
-              <a:t>2/17/17</a:t>
+              <a:t>4/4/17</a:t>
             </a:fld>
             <a:endParaRPr lang="en-US"/>
           </a:p>
@@ -408,7 +414,7 @@
           <a:p>
             <a:fld id="{6FD5188A-D471-7A47-91CF-432316DF9574}" type="datetimeFigureOut">
               <a:rPr lang="en-US" smtClean="0"/>
-              <a:t>2/17/17</a:t>
+              <a:t>4/4/17</a:t>
             </a:fld>
             <a:endParaRPr lang="en-US"/>
           </a:p>
@@ -588,7 +594,7 @@
           <a:p>
             <a:fld id="{6FD5188A-D471-7A47-91CF-432316DF9574}" type="datetimeFigureOut">
               <a:rPr lang="en-US" smtClean="0"/>
-              <a:t>2/17/17</a:t>
+              <a:t>4/4/17</a:t>
             </a:fld>
             <a:endParaRPr lang="en-US"/>
           </a:p>
@@ -758,7 +764,7 @@
           <a:p>
             <a:fld id="{6FD5188A-D471-7A47-91CF-432316DF9574}" type="datetimeFigureOut">
               <a:rPr lang="en-US" smtClean="0"/>
-              <a:t>2/17/17</a:t>
+              <a:t>4/4/17</a:t>
             </a:fld>
             <a:endParaRPr lang="en-US"/>
           </a:p>
@@ -1004,7 +1010,7 @@
           <a:p>
             <a:fld id="{6FD5188A-D471-7A47-91CF-432316DF9574}" type="datetimeFigureOut">
               <a:rPr lang="en-US" smtClean="0"/>
-              <a:t>2/17/17</a:t>
+              <a:t>4/4/17</a:t>
             </a:fld>
             <a:endParaRPr lang="en-US"/>
           </a:p>
@@ -1236,7 +1242,7 @@
           <a:p>
             <a:fld id="{6FD5188A-D471-7A47-91CF-432316DF9574}" type="datetimeFigureOut">
               <a:rPr lang="en-US" smtClean="0"/>
-              <a:t>2/17/17</a:t>
+              <a:t>4/4/17</a:t>
             </a:fld>
             <a:endParaRPr lang="en-US"/>
           </a:p>
@@ -1603,7 +1609,7 @@
           <a:p>
             <a:fld id="{6FD5188A-D471-7A47-91CF-432316DF9574}" type="datetimeFigureOut">
               <a:rPr lang="en-US" smtClean="0"/>
-              <a:t>2/17/17</a:t>
+              <a:t>4/4/17</a:t>
             </a:fld>
             <a:endParaRPr lang="en-US"/>
           </a:p>
@@ -1721,7 +1727,7 @@
           <a:p>
             <a:fld id="{6FD5188A-D471-7A47-91CF-432316DF9574}" type="datetimeFigureOut">
               <a:rPr lang="en-US" smtClean="0"/>
-              <a:t>2/17/17</a:t>
+              <a:t>4/4/17</a:t>
             </a:fld>
             <a:endParaRPr lang="en-US"/>
           </a:p>
@@ -1816,7 +1822,7 @@
           <a:p>
             <a:fld id="{6FD5188A-D471-7A47-91CF-432316DF9574}" type="datetimeFigureOut">
               <a:rPr lang="en-US" smtClean="0"/>
-              <a:t>2/17/17</a:t>
+              <a:t>4/4/17</a:t>
             </a:fld>
             <a:endParaRPr lang="en-US"/>
           </a:p>
@@ -2093,7 +2099,7 @@
           <a:p>
             <a:fld id="{6FD5188A-D471-7A47-91CF-432316DF9574}" type="datetimeFigureOut">
               <a:rPr lang="en-US" smtClean="0"/>
-              <a:t>2/17/17</a:t>
+              <a:t>4/4/17</a:t>
             </a:fld>
             <a:endParaRPr lang="en-US"/>
           </a:p>
@@ -2346,7 +2352,7 @@
           <a:p>
             <a:fld id="{6FD5188A-D471-7A47-91CF-432316DF9574}" type="datetimeFigureOut">
               <a:rPr lang="en-US" smtClean="0"/>
-              <a:t>2/17/17</a:t>
+              <a:t>4/4/17</a:t>
             </a:fld>
             <a:endParaRPr lang="en-US"/>
           </a:p>
@@ -2562,7 +2568,7 @@
           <a:p>
             <a:fld id="{6FD5188A-D471-7A47-91CF-432316DF9574}" type="datetimeFigureOut">
               <a:rPr lang="en-US" smtClean="0"/>
-              <a:t>2/17/17</a:t>
+              <a:t>4/4/17</a:t>
             </a:fld>
             <a:endParaRPr lang="en-US"/>
           </a:p>
@@ -3911,11 +3917,6 @@
               </a:rPr>
               <a:t>3</a:t>
             </a:r>
-            <a:endParaRPr lang="en-US" sz="1200" dirty="0">
-              <a:solidFill>
-                <a:srgbClr val="C00000"/>
-              </a:solidFill>
-            </a:endParaRPr>
           </a:p>
         </p:txBody>
       </p:sp>
@@ -4994,6 +4995,250 @@
 </p:sld>
 </file>
 
+<file path=ppt/slides/slide2.xml><?xml version="1.0" encoding="utf-8"?>
+<p:sld xmlns:a="http://schemas.openxmlformats.org/drawingml/2006/main" xmlns:r="http://schemas.openxmlformats.org/officeDocument/2006/relationships" xmlns:p="http://schemas.openxmlformats.org/presentationml/2006/main">
+  <p:cSld>
+    <p:spTree>
+      <p:nvGrpSpPr>
+        <p:cNvPr id="1" name=""/>
+        <p:cNvGrpSpPr/>
+        <p:nvPr/>
+      </p:nvGrpSpPr>
+      <p:grpSpPr>
+        <a:xfrm>
+          <a:off x="0" y="0"/>
+          <a:ext cx="0" cy="0"/>
+          <a:chOff x="0" y="0"/>
+          <a:chExt cx="0" cy="0"/>
+        </a:xfrm>
+      </p:grpSpPr>
+      <p:sp>
+        <p:nvSpPr>
+          <p:cNvPr id="4" name="Rectangle 3"/>
+          <p:cNvSpPr/>
+          <p:nvPr/>
+        </p:nvSpPr>
+        <p:spPr>
+          <a:xfrm>
+            <a:off x="1541183" y="1305111"/>
+            <a:ext cx="8015194" cy="4629523"/>
+          </a:xfrm>
+          <a:prstGeom prst="rect">
+            <a:avLst/>
+          </a:prstGeom>
+          <a:noFill/>
+        </p:spPr>
+        <p:style>
+          <a:lnRef idx="2">
+            <a:schemeClr val="accent1">
+              <a:shade val="50000"/>
+            </a:schemeClr>
+          </a:lnRef>
+          <a:fillRef idx="1">
+            <a:schemeClr val="accent1"/>
+          </a:fillRef>
+          <a:effectRef idx="0">
+            <a:schemeClr val="accent1"/>
+          </a:effectRef>
+          <a:fontRef idx="minor">
+            <a:schemeClr val="lt1"/>
+          </a:fontRef>
+        </p:style>
+        <p:txBody>
+          <a:bodyPr rtlCol="0" anchor="ctr"/>
+          <a:lstStyle/>
+          <a:p>
+            <a:pPr algn="ctr"/>
+            <a:endParaRPr lang="en-US"/>
+          </a:p>
+        </p:txBody>
+      </p:sp>
+      <p:sp>
+        <p:nvSpPr>
+          <p:cNvPr id="6" name="Rectangle 5"/>
+          <p:cNvSpPr/>
+          <p:nvPr/>
+        </p:nvSpPr>
+        <p:spPr>
+          <a:xfrm>
+            <a:off x="2456329" y="2187388"/>
+            <a:ext cx="1828800" cy="1685365"/>
+          </a:xfrm>
+          <a:prstGeom prst="rect">
+            <a:avLst/>
+          </a:prstGeom>
+          <a:noFill/>
+        </p:spPr>
+        <p:style>
+          <a:lnRef idx="2">
+            <a:schemeClr val="accent1">
+              <a:shade val="50000"/>
+            </a:schemeClr>
+          </a:lnRef>
+          <a:fillRef idx="1">
+            <a:schemeClr val="accent1"/>
+          </a:fillRef>
+          <a:effectRef idx="0">
+            <a:schemeClr val="accent1"/>
+          </a:effectRef>
+          <a:fontRef idx="minor">
+            <a:schemeClr val="lt1"/>
+          </a:fontRef>
+        </p:style>
+        <p:txBody>
+          <a:bodyPr rtlCol="0" anchor="ctr"/>
+          <a:lstStyle/>
+          <a:p>
+            <a:pPr algn="ctr"/>
+            <a:endParaRPr lang="en-US"/>
+          </a:p>
+        </p:txBody>
+      </p:sp>
+      <p:sp>
+        <p:nvSpPr>
+          <p:cNvPr id="7" name="Rectangle 6"/>
+          <p:cNvSpPr/>
+          <p:nvPr/>
+        </p:nvSpPr>
+        <p:spPr>
+          <a:xfrm>
+            <a:off x="6669741" y="2169459"/>
+            <a:ext cx="1846730" cy="1739153"/>
+          </a:xfrm>
+          <a:prstGeom prst="rect">
+            <a:avLst/>
+          </a:prstGeom>
+          <a:noFill/>
+        </p:spPr>
+        <p:style>
+          <a:lnRef idx="2">
+            <a:schemeClr val="accent1">
+              <a:shade val="50000"/>
+            </a:schemeClr>
+          </a:lnRef>
+          <a:fillRef idx="1">
+            <a:schemeClr val="accent1"/>
+          </a:fillRef>
+          <a:effectRef idx="0">
+            <a:schemeClr val="accent1"/>
+          </a:effectRef>
+          <a:fontRef idx="minor">
+            <a:schemeClr val="lt1"/>
+          </a:fontRef>
+        </p:style>
+        <p:txBody>
+          <a:bodyPr rtlCol="0" anchor="ctr"/>
+          <a:lstStyle/>
+          <a:p>
+            <a:pPr algn="ctr"/>
+            <a:endParaRPr lang="en-US"/>
+          </a:p>
+        </p:txBody>
+      </p:sp>
+      <p:sp>
+        <p:nvSpPr>
+          <p:cNvPr id="8" name="TextBox 7"/>
+          <p:cNvSpPr txBox="1"/>
+          <p:nvPr/>
+        </p:nvSpPr>
+        <p:spPr>
+          <a:xfrm>
+            <a:off x="3612403" y="652412"/>
+            <a:ext cx="3872753" cy="461665"/>
+          </a:xfrm>
+          <a:prstGeom prst="rect">
+            <a:avLst/>
+          </a:prstGeom>
+          <a:noFill/>
+        </p:spPr>
+        <p:txBody>
+          <a:bodyPr wrap="square" rtlCol="0">
+            <a:spAutoFit/>
+          </a:bodyPr>
+          <a:lstStyle/>
+          <a:p>
+            <a:pPr algn="ctr"/>
+            <a:r>
+              <a:rPr lang="en-US" sz="2400" dirty="0" smtClean="0"/>
+              <a:t>Security View</a:t>
+            </a:r>
+            <a:endParaRPr lang="en-US" sz="2400" dirty="0"/>
+          </a:p>
+        </p:txBody>
+      </p:sp>
+      <p:sp>
+        <p:nvSpPr>
+          <p:cNvPr id="9" name="TextBox 8"/>
+          <p:cNvSpPr txBox="1"/>
+          <p:nvPr/>
+        </p:nvSpPr>
+        <p:spPr>
+          <a:xfrm>
+            <a:off x="2671109" y="2854369"/>
+            <a:ext cx="1434353" cy="369332"/>
+          </a:xfrm>
+          <a:prstGeom prst="rect">
+            <a:avLst/>
+          </a:prstGeom>
+          <a:noFill/>
+        </p:spPr>
+        <p:txBody>
+          <a:bodyPr wrap="square" rtlCol="0">
+            <a:spAutoFit/>
+          </a:bodyPr>
+          <a:lstStyle/>
+          <a:p>
+            <a:r>
+              <a:rPr lang="en-US" dirty="0" smtClean="0"/>
+              <a:t>Registration</a:t>
+            </a:r>
+            <a:endParaRPr lang="en-US" dirty="0"/>
+          </a:p>
+        </p:txBody>
+      </p:sp>
+      <p:sp>
+        <p:nvSpPr>
+          <p:cNvPr id="10" name="TextBox 9"/>
+          <p:cNvSpPr txBox="1"/>
+          <p:nvPr/>
+        </p:nvSpPr>
+        <p:spPr>
+          <a:xfrm>
+            <a:off x="7028913" y="2854369"/>
+            <a:ext cx="1128386" cy="369332"/>
+          </a:xfrm>
+          <a:prstGeom prst="rect">
+            <a:avLst/>
+          </a:prstGeom>
+          <a:noFill/>
+        </p:spPr>
+        <p:txBody>
+          <a:bodyPr wrap="none" rtlCol="0">
+            <a:spAutoFit/>
+          </a:bodyPr>
+          <a:lstStyle/>
+          <a:p>
+            <a:r>
+              <a:rPr lang="en-US" smtClean="0"/>
+              <a:t>Activation</a:t>
+            </a:r>
+            <a:endParaRPr lang="en-US"/>
+          </a:p>
+        </p:txBody>
+      </p:sp>
+    </p:spTree>
+    <p:extLst>
+      <p:ext uri="{BB962C8B-B14F-4D97-AF65-F5344CB8AC3E}">
+        <p14:creationId xmlns:p14="http://schemas.microsoft.com/office/powerpoint/2010/main" val="1586277308"/>
+      </p:ext>
+    </p:extLst>
+  </p:cSld>
+  <p:clrMapOvr>
+    <a:masterClrMapping/>
+  </p:clrMapOvr>
+</p:sld>
+</file>
+
 <file path=ppt/theme/theme1.xml><?xml version="1.0" encoding="utf-8"?>
 <a:theme xmlns:a="http://schemas.openxmlformats.org/drawingml/2006/main" name="Office Theme">
   <a:themeElements>
